--- a/4_manuscript/Figures2.pptx
+++ b/4_manuscript/Figures2.pptx
@@ -17,6 +17,12 @@
     <p:sldId id="262" r:id="rId11"/>
     <p:sldId id="267" r:id="rId12"/>
     <p:sldId id="263" r:id="rId13"/>
+    <p:sldId id="268" r:id="rId14"/>
+    <p:sldId id="269" r:id="rId15"/>
+    <p:sldId id="270" r:id="rId16"/>
+    <p:sldId id="271" r:id="rId17"/>
+    <p:sldId id="272" r:id="rId18"/>
+    <p:sldId id="273" r:id="rId19"/>
   </p:sldIdLst>
   <p:sldSz cx="12192000" cy="9144000"/>
   <p:notesSz cx="6858000" cy="9144000"/>
@@ -254,7 +260,7 @@
           <a:p>
             <a:fld id="{CA83E775-6EF4-4B31-9E55-FCAAC4AF18A2}" type="datetimeFigureOut">
               <a:rPr lang="de-DE" smtClean="0"/>
-              <a:t>29.07.2024</a:t>
+              <a:t>02.08.2024</a:t>
             </a:fld>
             <a:endParaRPr lang="de-DE"/>
           </a:p>
@@ -424,7 +430,7 @@
           <a:p>
             <a:fld id="{CA83E775-6EF4-4B31-9E55-FCAAC4AF18A2}" type="datetimeFigureOut">
               <a:rPr lang="de-DE" smtClean="0"/>
-              <a:t>29.07.2024</a:t>
+              <a:t>02.08.2024</a:t>
             </a:fld>
             <a:endParaRPr lang="de-DE"/>
           </a:p>
@@ -604,7 +610,7 @@
           <a:p>
             <a:fld id="{CA83E775-6EF4-4B31-9E55-FCAAC4AF18A2}" type="datetimeFigureOut">
               <a:rPr lang="de-DE" smtClean="0"/>
-              <a:t>29.07.2024</a:t>
+              <a:t>02.08.2024</a:t>
             </a:fld>
             <a:endParaRPr lang="de-DE"/>
           </a:p>
@@ -774,7 +780,7 @@
           <a:p>
             <a:fld id="{CA83E775-6EF4-4B31-9E55-FCAAC4AF18A2}" type="datetimeFigureOut">
               <a:rPr lang="de-DE" smtClean="0"/>
-              <a:t>29.07.2024</a:t>
+              <a:t>02.08.2024</a:t>
             </a:fld>
             <a:endParaRPr lang="de-DE"/>
           </a:p>
@@ -1018,7 +1024,7 @@
           <a:p>
             <a:fld id="{CA83E775-6EF4-4B31-9E55-FCAAC4AF18A2}" type="datetimeFigureOut">
               <a:rPr lang="de-DE" smtClean="0"/>
-              <a:t>29.07.2024</a:t>
+              <a:t>02.08.2024</a:t>
             </a:fld>
             <a:endParaRPr lang="de-DE"/>
           </a:p>
@@ -1250,7 +1256,7 @@
           <a:p>
             <a:fld id="{CA83E775-6EF4-4B31-9E55-FCAAC4AF18A2}" type="datetimeFigureOut">
               <a:rPr lang="de-DE" smtClean="0"/>
-              <a:t>29.07.2024</a:t>
+              <a:t>02.08.2024</a:t>
             </a:fld>
             <a:endParaRPr lang="de-DE"/>
           </a:p>
@@ -1617,7 +1623,7 @@
           <a:p>
             <a:fld id="{CA83E775-6EF4-4B31-9E55-FCAAC4AF18A2}" type="datetimeFigureOut">
               <a:rPr lang="de-DE" smtClean="0"/>
-              <a:t>29.07.2024</a:t>
+              <a:t>02.08.2024</a:t>
             </a:fld>
             <a:endParaRPr lang="de-DE"/>
           </a:p>
@@ -1735,7 +1741,7 @@
           <a:p>
             <a:fld id="{CA83E775-6EF4-4B31-9E55-FCAAC4AF18A2}" type="datetimeFigureOut">
               <a:rPr lang="de-DE" smtClean="0"/>
-              <a:t>29.07.2024</a:t>
+              <a:t>02.08.2024</a:t>
             </a:fld>
             <a:endParaRPr lang="de-DE"/>
           </a:p>
@@ -1830,7 +1836,7 @@
           <a:p>
             <a:fld id="{CA83E775-6EF4-4B31-9E55-FCAAC4AF18A2}" type="datetimeFigureOut">
               <a:rPr lang="de-DE" smtClean="0"/>
-              <a:t>29.07.2024</a:t>
+              <a:t>02.08.2024</a:t>
             </a:fld>
             <a:endParaRPr lang="de-DE"/>
           </a:p>
@@ -2107,7 +2113,7 @@
           <a:p>
             <a:fld id="{CA83E775-6EF4-4B31-9E55-FCAAC4AF18A2}" type="datetimeFigureOut">
               <a:rPr lang="de-DE" smtClean="0"/>
-              <a:t>29.07.2024</a:t>
+              <a:t>02.08.2024</a:t>
             </a:fld>
             <a:endParaRPr lang="de-DE"/>
           </a:p>
@@ -2364,7 +2370,7 @@
           <a:p>
             <a:fld id="{CA83E775-6EF4-4B31-9E55-FCAAC4AF18A2}" type="datetimeFigureOut">
               <a:rPr lang="de-DE" smtClean="0"/>
-              <a:t>29.07.2024</a:t>
+              <a:t>02.08.2024</a:t>
             </a:fld>
             <a:endParaRPr lang="de-DE"/>
           </a:p>
@@ -2577,7 +2583,7 @@
           <a:p>
             <a:fld id="{CA83E775-6EF4-4B31-9E55-FCAAC4AF18A2}" type="datetimeFigureOut">
               <a:rPr lang="de-DE" smtClean="0"/>
-              <a:t>29.07.2024</a:t>
+              <a:t>02.08.2024</a:t>
             </a:fld>
             <a:endParaRPr lang="de-DE"/>
           </a:p>
@@ -4835,6 +4841,852 @@
 </p:sld>
 </file>
 
+<file path=ppt/slides/slide13.xml><?xml version="1.0" encoding="utf-8"?>
+<p:sld xmlns:a="http://schemas.openxmlformats.org/drawingml/2006/main" xmlns:r="http://schemas.openxmlformats.org/officeDocument/2006/relationships" xmlns:p="http://schemas.openxmlformats.org/presentationml/2006/main">
+  <p:cSld>
+    <p:spTree>
+      <p:nvGrpSpPr>
+        <p:cNvPr id="1" name=""/>
+        <p:cNvGrpSpPr/>
+        <p:nvPr/>
+      </p:nvGrpSpPr>
+      <p:grpSpPr>
+        <a:xfrm>
+          <a:off x="0" y="0"/>
+          <a:ext cx="0" cy="0"/>
+          <a:chOff x="0" y="0"/>
+          <a:chExt cx="0" cy="0"/>
+        </a:xfrm>
+      </p:grpSpPr>
+      <p:sp>
+        <p:nvSpPr>
+          <p:cNvPr id="2" name="Titel 1">
+            <a:extLst>
+              <a:ext uri="{FF2B5EF4-FFF2-40B4-BE49-F238E27FC236}">
+                <a16:creationId xmlns:a16="http://schemas.microsoft.com/office/drawing/2014/main" id="{E971C1A9-BB07-406F-A95F-EDC12E6C1156}"/>
+              </a:ext>
+            </a:extLst>
+          </p:cNvPr>
+          <p:cNvSpPr>
+            <a:spLocks noGrp="1"/>
+          </p:cNvSpPr>
+          <p:nvPr>
+            <p:ph type="title"/>
+          </p:nvPr>
+        </p:nvSpPr>
+        <p:spPr/>
+        <p:txBody>
+          <a:bodyPr/>
+          <a:lstStyle/>
+          <a:p>
+            <a:endParaRPr lang="de-DE"/>
+          </a:p>
+        </p:txBody>
+      </p:sp>
+      <p:sp>
+        <p:nvSpPr>
+          <p:cNvPr id="3" name="Inhaltsplatzhalter 2">
+            <a:extLst>
+              <a:ext uri="{FF2B5EF4-FFF2-40B4-BE49-F238E27FC236}">
+                <a16:creationId xmlns:a16="http://schemas.microsoft.com/office/drawing/2014/main" id="{E94AFFD2-B1F6-42E9-94FB-0469AD24F7A5}"/>
+              </a:ext>
+            </a:extLst>
+          </p:cNvPr>
+          <p:cNvSpPr>
+            <a:spLocks noGrp="1"/>
+          </p:cNvSpPr>
+          <p:nvPr>
+            <p:ph idx="1"/>
+          </p:nvPr>
+        </p:nvSpPr>
+        <p:spPr/>
+        <p:txBody>
+          <a:bodyPr/>
+          <a:lstStyle/>
+          <a:p>
+            <a:endParaRPr lang="de-DE"/>
+          </a:p>
+        </p:txBody>
+      </p:sp>
+    </p:spTree>
+    <p:extLst>
+      <p:ext uri="{BB962C8B-B14F-4D97-AF65-F5344CB8AC3E}">
+        <p14:creationId xmlns:p14="http://schemas.microsoft.com/office/powerpoint/2010/main" val="1220510063"/>
+      </p:ext>
+    </p:extLst>
+  </p:cSld>
+  <p:clrMapOvr>
+    <a:masterClrMapping/>
+  </p:clrMapOvr>
+</p:sld>
+</file>
+
+<file path=ppt/slides/slide14.xml><?xml version="1.0" encoding="utf-8"?>
+<p:sld xmlns:a="http://schemas.openxmlformats.org/drawingml/2006/main" xmlns:r="http://schemas.openxmlformats.org/officeDocument/2006/relationships" xmlns:p="http://schemas.openxmlformats.org/presentationml/2006/main">
+  <p:cSld>
+    <p:spTree>
+      <p:nvGrpSpPr>
+        <p:cNvPr id="1" name=""/>
+        <p:cNvGrpSpPr/>
+        <p:nvPr/>
+      </p:nvGrpSpPr>
+      <p:grpSpPr>
+        <a:xfrm>
+          <a:off x="0" y="0"/>
+          <a:ext cx="0" cy="0"/>
+          <a:chOff x="0" y="0"/>
+          <a:chExt cx="0" cy="0"/>
+        </a:xfrm>
+      </p:grpSpPr>
+      <p:sp>
+        <p:nvSpPr>
+          <p:cNvPr id="4" name="Textfeld 3">
+            <a:extLst>
+              <a:ext uri="{FF2B5EF4-FFF2-40B4-BE49-F238E27FC236}">
+                <a16:creationId xmlns:a16="http://schemas.microsoft.com/office/drawing/2014/main" id="{31CEF363-BC8F-4709-9350-86005D5C407F}"/>
+              </a:ext>
+            </a:extLst>
+          </p:cNvPr>
+          <p:cNvSpPr txBox="1"/>
+          <p:nvPr/>
+        </p:nvSpPr>
+        <p:spPr>
+          <a:xfrm>
+            <a:off x="44604" y="66498"/>
+            <a:ext cx="2903615" cy="369332"/>
+          </a:xfrm>
+          <a:prstGeom prst="rect">
+            <a:avLst/>
+          </a:prstGeom>
+          <a:noFill/>
+        </p:spPr>
+        <p:txBody>
+          <a:bodyPr wrap="none" rtlCol="0">
+            <a:spAutoFit/>
+          </a:bodyPr>
+          <a:lstStyle/>
+          <a:p>
+            <a:r>
+              <a:rPr lang="de-DE" b="1" dirty="0">
+                <a:solidFill>
+                  <a:srgbClr val="0070C0"/>
+                </a:solidFill>
+              </a:rPr>
+              <a:t>Other </a:t>
+            </a:r>
+            <a:r>
+              <a:rPr lang="de-DE" b="1" dirty="0" err="1">
+                <a:solidFill>
+                  <a:srgbClr val="0070C0"/>
+                </a:solidFill>
+              </a:rPr>
+              <a:t>ChIP</a:t>
+            </a:r>
+            <a:r>
+              <a:rPr lang="de-DE" b="1" dirty="0">
+                <a:solidFill>
+                  <a:srgbClr val="0070C0"/>
+                </a:solidFill>
+              </a:rPr>
+              <a:t> </a:t>
+            </a:r>
+            <a:r>
+              <a:rPr lang="de-DE" b="1" dirty="0" err="1">
+                <a:solidFill>
+                  <a:srgbClr val="0070C0"/>
+                </a:solidFill>
+              </a:rPr>
+              <a:t>datasets</a:t>
+            </a:r>
+            <a:r>
+              <a:rPr lang="de-DE" b="1" dirty="0">
+                <a:solidFill>
+                  <a:srgbClr val="0070C0"/>
+                </a:solidFill>
+              </a:rPr>
+              <a:t>: </a:t>
+            </a:r>
+            <a:r>
+              <a:rPr lang="de-DE" b="1" dirty="0" err="1">
+                <a:solidFill>
+                  <a:srgbClr val="0070C0"/>
+                </a:solidFill>
+              </a:rPr>
+              <a:t>ReMAP</a:t>
+            </a:r>
+            <a:endParaRPr lang="de-DE" b="1" dirty="0">
+              <a:solidFill>
+                <a:srgbClr val="0070C0"/>
+              </a:solidFill>
+            </a:endParaRPr>
+          </a:p>
+        </p:txBody>
+      </p:sp>
+      <p:pic>
+        <p:nvPicPr>
+          <p:cNvPr id="1026" name="Picture 2" descr="remap_hif1a-1.png">
+            <a:extLst>
+              <a:ext uri="{FF2B5EF4-FFF2-40B4-BE49-F238E27FC236}">
+                <a16:creationId xmlns:a16="http://schemas.microsoft.com/office/drawing/2014/main" id="{E87D2512-8EEF-45ED-A8F8-4A54605B0994}"/>
+              </a:ext>
+            </a:extLst>
+          </p:cNvPr>
+          <p:cNvPicPr>
+            <a:picLocks noChangeAspect="1" noChangeArrowheads="1"/>
+          </p:cNvPicPr>
+          <p:nvPr/>
+        </p:nvPicPr>
+        <p:blipFill>
+          <a:blip r:embed="rId2">
+            <a:extLst>
+              <a:ext uri="{28A0092B-C50C-407E-A947-70E740481C1C}">
+                <a14:useLocalDpi xmlns:a14="http://schemas.microsoft.com/office/drawing/2010/main" val="0"/>
+              </a:ext>
+            </a:extLst>
+          </a:blip>
+          <a:srcRect/>
+          <a:stretch>
+            <a:fillRect/>
+          </a:stretch>
+        </p:blipFill>
+        <p:spPr bwMode="auto">
+          <a:xfrm>
+            <a:off x="434898" y="528146"/>
+            <a:ext cx="11757102" cy="8398367"/>
+          </a:xfrm>
+          <a:prstGeom prst="rect">
+            <a:avLst/>
+          </a:prstGeom>
+          <a:noFill/>
+          <a:extLst>
+            <a:ext uri="{909E8E84-426E-40DD-AFC4-6F175D3DCCD1}">
+              <a14:hiddenFill xmlns:a14="http://schemas.microsoft.com/office/drawing/2010/main">
+                <a:solidFill>
+                  <a:srgbClr val="FFFFFF"/>
+                </a:solidFill>
+              </a14:hiddenFill>
+            </a:ext>
+          </a:extLst>
+        </p:spPr>
+      </p:pic>
+    </p:spTree>
+    <p:extLst>
+      <p:ext uri="{BB962C8B-B14F-4D97-AF65-F5344CB8AC3E}">
+        <p14:creationId xmlns:p14="http://schemas.microsoft.com/office/powerpoint/2010/main" val="4117768616"/>
+      </p:ext>
+    </p:extLst>
+  </p:cSld>
+  <p:clrMapOvr>
+    <a:masterClrMapping/>
+  </p:clrMapOvr>
+</p:sld>
+</file>
+
+<file path=ppt/slides/slide15.xml><?xml version="1.0" encoding="utf-8"?>
+<p:sld xmlns:a="http://schemas.openxmlformats.org/drawingml/2006/main" xmlns:r="http://schemas.openxmlformats.org/officeDocument/2006/relationships" xmlns:p="http://schemas.openxmlformats.org/presentationml/2006/main">
+  <p:cSld>
+    <p:spTree>
+      <p:nvGrpSpPr>
+        <p:cNvPr id="1" name=""/>
+        <p:cNvGrpSpPr/>
+        <p:nvPr/>
+      </p:nvGrpSpPr>
+      <p:grpSpPr>
+        <a:xfrm>
+          <a:off x="0" y="0"/>
+          <a:ext cx="0" cy="0"/>
+          <a:chOff x="0" y="0"/>
+          <a:chExt cx="0" cy="0"/>
+        </a:xfrm>
+      </p:grpSpPr>
+      <p:pic>
+        <p:nvPicPr>
+          <p:cNvPr id="2050" name="Picture 2" descr="remap_hif1a-3.png">
+            <a:extLst>
+              <a:ext uri="{FF2B5EF4-FFF2-40B4-BE49-F238E27FC236}">
+                <a16:creationId xmlns:a16="http://schemas.microsoft.com/office/drawing/2014/main" id="{471B6B9E-B262-46C9-874C-D66FC9B157A2}"/>
+              </a:ext>
+            </a:extLst>
+          </p:cNvPr>
+          <p:cNvPicPr>
+            <a:picLocks noChangeAspect="1" noChangeArrowheads="1"/>
+          </p:cNvPicPr>
+          <p:nvPr/>
+        </p:nvPicPr>
+        <p:blipFill>
+          <a:blip r:embed="rId2">
+            <a:extLst>
+              <a:ext uri="{28A0092B-C50C-407E-A947-70E740481C1C}">
+                <a14:useLocalDpi xmlns:a14="http://schemas.microsoft.com/office/drawing/2010/main" val="0"/>
+              </a:ext>
+            </a:extLst>
+          </a:blip>
+          <a:srcRect/>
+          <a:stretch>
+            <a:fillRect/>
+          </a:stretch>
+        </p:blipFill>
+        <p:spPr bwMode="auto">
+          <a:xfrm>
+            <a:off x="1371600" y="1197253"/>
+            <a:ext cx="9448800" cy="6749494"/>
+          </a:xfrm>
+          <a:prstGeom prst="rect">
+            <a:avLst/>
+          </a:prstGeom>
+          <a:noFill/>
+          <a:extLst>
+            <a:ext uri="{909E8E84-426E-40DD-AFC4-6F175D3DCCD1}">
+              <a14:hiddenFill xmlns:a14="http://schemas.microsoft.com/office/drawing/2010/main">
+                <a:solidFill>
+                  <a:srgbClr val="FFFFFF"/>
+                </a:solidFill>
+              </a14:hiddenFill>
+            </a:ext>
+          </a:extLst>
+        </p:spPr>
+      </p:pic>
+      <p:sp>
+        <p:nvSpPr>
+          <p:cNvPr id="5" name="Textfeld 4">
+            <a:extLst>
+              <a:ext uri="{FF2B5EF4-FFF2-40B4-BE49-F238E27FC236}">
+                <a16:creationId xmlns:a16="http://schemas.microsoft.com/office/drawing/2014/main" id="{26EECE73-591E-45B0-A57C-82F798A26AE8}"/>
+              </a:ext>
+            </a:extLst>
+          </p:cNvPr>
+          <p:cNvSpPr txBox="1"/>
+          <p:nvPr/>
+        </p:nvSpPr>
+        <p:spPr>
+          <a:xfrm>
+            <a:off x="44604" y="66498"/>
+            <a:ext cx="2903615" cy="369332"/>
+          </a:xfrm>
+          <a:prstGeom prst="rect">
+            <a:avLst/>
+          </a:prstGeom>
+          <a:noFill/>
+        </p:spPr>
+        <p:txBody>
+          <a:bodyPr wrap="none" rtlCol="0">
+            <a:spAutoFit/>
+          </a:bodyPr>
+          <a:lstStyle/>
+          <a:p>
+            <a:r>
+              <a:rPr lang="de-DE" b="1" dirty="0">
+                <a:solidFill>
+                  <a:srgbClr val="0070C0"/>
+                </a:solidFill>
+              </a:rPr>
+              <a:t>Other </a:t>
+            </a:r>
+            <a:r>
+              <a:rPr lang="de-DE" b="1" dirty="0" err="1">
+                <a:solidFill>
+                  <a:srgbClr val="0070C0"/>
+                </a:solidFill>
+              </a:rPr>
+              <a:t>ChIP</a:t>
+            </a:r>
+            <a:r>
+              <a:rPr lang="de-DE" b="1" dirty="0">
+                <a:solidFill>
+                  <a:srgbClr val="0070C0"/>
+                </a:solidFill>
+              </a:rPr>
+              <a:t> </a:t>
+            </a:r>
+            <a:r>
+              <a:rPr lang="de-DE" b="1" dirty="0" err="1">
+                <a:solidFill>
+                  <a:srgbClr val="0070C0"/>
+                </a:solidFill>
+              </a:rPr>
+              <a:t>datasets</a:t>
+            </a:r>
+            <a:r>
+              <a:rPr lang="de-DE" b="1" dirty="0">
+                <a:solidFill>
+                  <a:srgbClr val="0070C0"/>
+                </a:solidFill>
+              </a:rPr>
+              <a:t>: </a:t>
+            </a:r>
+            <a:r>
+              <a:rPr lang="de-DE" b="1" dirty="0" err="1">
+                <a:solidFill>
+                  <a:srgbClr val="0070C0"/>
+                </a:solidFill>
+              </a:rPr>
+              <a:t>ReMAP</a:t>
+            </a:r>
+            <a:endParaRPr lang="de-DE" b="1" dirty="0">
+              <a:solidFill>
+                <a:srgbClr val="0070C0"/>
+              </a:solidFill>
+            </a:endParaRPr>
+          </a:p>
+        </p:txBody>
+      </p:sp>
+    </p:spTree>
+    <p:extLst>
+      <p:ext uri="{BB962C8B-B14F-4D97-AF65-F5344CB8AC3E}">
+        <p14:creationId xmlns:p14="http://schemas.microsoft.com/office/powerpoint/2010/main" val="100743803"/>
+      </p:ext>
+    </p:extLst>
+  </p:cSld>
+  <p:clrMapOvr>
+    <a:masterClrMapping/>
+  </p:clrMapOvr>
+</p:sld>
+</file>
+
+<file path=ppt/slides/slide16.xml><?xml version="1.0" encoding="utf-8"?>
+<p:sld xmlns:a="http://schemas.openxmlformats.org/drawingml/2006/main" xmlns:r="http://schemas.openxmlformats.org/officeDocument/2006/relationships" xmlns:p="http://schemas.openxmlformats.org/presentationml/2006/main">
+  <p:cSld>
+    <p:spTree>
+      <p:nvGrpSpPr>
+        <p:cNvPr id="1" name=""/>
+        <p:cNvGrpSpPr/>
+        <p:nvPr/>
+      </p:nvGrpSpPr>
+      <p:grpSpPr>
+        <a:xfrm>
+          <a:off x="0" y="0"/>
+          <a:ext cx="0" cy="0"/>
+          <a:chOff x="0" y="0"/>
+          <a:chExt cx="0" cy="0"/>
+        </a:xfrm>
+      </p:grpSpPr>
+      <p:sp>
+        <p:nvSpPr>
+          <p:cNvPr id="4" name="Textfeld 3">
+            <a:extLst>
+              <a:ext uri="{FF2B5EF4-FFF2-40B4-BE49-F238E27FC236}">
+                <a16:creationId xmlns:a16="http://schemas.microsoft.com/office/drawing/2014/main" id="{B69F4CD1-E86A-40E1-9134-886F1A43F1E8}"/>
+              </a:ext>
+            </a:extLst>
+          </p:cNvPr>
+          <p:cNvSpPr txBox="1"/>
+          <p:nvPr/>
+        </p:nvSpPr>
+        <p:spPr>
+          <a:xfrm>
+            <a:off x="44604" y="66498"/>
+            <a:ext cx="2943883" cy="369332"/>
+          </a:xfrm>
+          <a:prstGeom prst="rect">
+            <a:avLst/>
+          </a:prstGeom>
+          <a:noFill/>
+        </p:spPr>
+        <p:txBody>
+          <a:bodyPr wrap="none" rtlCol="0">
+            <a:spAutoFit/>
+          </a:bodyPr>
+          <a:lstStyle/>
+          <a:p>
+            <a:r>
+              <a:rPr lang="de-DE" b="1" dirty="0">
+                <a:solidFill>
+                  <a:srgbClr val="0070C0"/>
+                </a:solidFill>
+              </a:rPr>
+              <a:t>Other </a:t>
+            </a:r>
+            <a:r>
+              <a:rPr lang="de-DE" b="1" dirty="0" err="1">
+                <a:solidFill>
+                  <a:srgbClr val="0070C0"/>
+                </a:solidFill>
+              </a:rPr>
+              <a:t>ChIP</a:t>
+            </a:r>
+            <a:r>
+              <a:rPr lang="de-DE" b="1" dirty="0">
+                <a:solidFill>
+                  <a:srgbClr val="0070C0"/>
+                </a:solidFill>
+              </a:rPr>
+              <a:t> </a:t>
+            </a:r>
+            <a:r>
+              <a:rPr lang="de-DE" b="1" dirty="0" err="1">
+                <a:solidFill>
+                  <a:srgbClr val="0070C0"/>
+                </a:solidFill>
+              </a:rPr>
+              <a:t>datasets</a:t>
+            </a:r>
+            <a:r>
+              <a:rPr lang="de-DE" b="1" dirty="0">
+                <a:solidFill>
+                  <a:srgbClr val="0070C0"/>
+                </a:solidFill>
+              </a:rPr>
+              <a:t>: SKNBE2</a:t>
+            </a:r>
+          </a:p>
+        </p:txBody>
+      </p:sp>
+      <p:pic>
+        <p:nvPicPr>
+          <p:cNvPr id="3074" name="Picture 2" descr="sknbe2-1.png">
+            <a:extLst>
+              <a:ext uri="{FF2B5EF4-FFF2-40B4-BE49-F238E27FC236}">
+                <a16:creationId xmlns:a16="http://schemas.microsoft.com/office/drawing/2014/main" id="{8FCEEBB1-4905-42DF-BC6F-5CFECB9E0868}"/>
+              </a:ext>
+            </a:extLst>
+          </p:cNvPr>
+          <p:cNvPicPr>
+            <a:picLocks noChangeAspect="1" noChangeArrowheads="1"/>
+          </p:cNvPicPr>
+          <p:nvPr/>
+        </p:nvPicPr>
+        <p:blipFill>
+          <a:blip r:embed="rId2">
+            <a:extLst>
+              <a:ext uri="{28A0092B-C50C-407E-A947-70E740481C1C}">
+                <a14:useLocalDpi xmlns:a14="http://schemas.microsoft.com/office/drawing/2010/main" val="0"/>
+              </a:ext>
+            </a:extLst>
+          </a:blip>
+          <a:srcRect/>
+          <a:stretch>
+            <a:fillRect/>
+          </a:stretch>
+        </p:blipFill>
+        <p:spPr bwMode="auto">
+          <a:xfrm>
+            <a:off x="1321419" y="778333"/>
+            <a:ext cx="9549161" cy="6821185"/>
+          </a:xfrm>
+          <a:prstGeom prst="rect">
+            <a:avLst/>
+          </a:prstGeom>
+          <a:noFill/>
+          <a:extLst>
+            <a:ext uri="{909E8E84-426E-40DD-AFC4-6F175D3DCCD1}">
+              <a14:hiddenFill xmlns:a14="http://schemas.microsoft.com/office/drawing/2010/main">
+                <a:solidFill>
+                  <a:srgbClr val="FFFFFF"/>
+                </a:solidFill>
+              </a14:hiddenFill>
+            </a:ext>
+          </a:extLst>
+        </p:spPr>
+      </p:pic>
+    </p:spTree>
+    <p:extLst>
+      <p:ext uri="{BB962C8B-B14F-4D97-AF65-F5344CB8AC3E}">
+        <p14:creationId xmlns:p14="http://schemas.microsoft.com/office/powerpoint/2010/main" val="271572276"/>
+      </p:ext>
+    </p:extLst>
+  </p:cSld>
+  <p:clrMapOvr>
+    <a:masterClrMapping/>
+  </p:clrMapOvr>
+</p:sld>
+</file>
+
+<file path=ppt/slides/slide17.xml><?xml version="1.0" encoding="utf-8"?>
+<p:sld xmlns:a="http://schemas.openxmlformats.org/drawingml/2006/main" xmlns:r="http://schemas.openxmlformats.org/officeDocument/2006/relationships" xmlns:p="http://schemas.openxmlformats.org/presentationml/2006/main">
+  <p:cSld>
+    <p:spTree>
+      <p:nvGrpSpPr>
+        <p:cNvPr id="1" name=""/>
+        <p:cNvGrpSpPr/>
+        <p:nvPr/>
+      </p:nvGrpSpPr>
+      <p:grpSpPr>
+        <a:xfrm>
+          <a:off x="0" y="0"/>
+          <a:ext cx="0" cy="0"/>
+          <a:chOff x="0" y="0"/>
+          <a:chExt cx="0" cy="0"/>
+        </a:xfrm>
+      </p:grpSpPr>
+      <p:pic>
+        <p:nvPicPr>
+          <p:cNvPr id="6" name="Picture 2" descr="sknbe2_venn_peaks-1.png">
+            <a:extLst>
+              <a:ext uri="{FF2B5EF4-FFF2-40B4-BE49-F238E27FC236}">
+                <a16:creationId xmlns:a16="http://schemas.microsoft.com/office/drawing/2014/main" id="{E2889E03-8C86-4126-8E4E-125EB039CE51}"/>
+              </a:ext>
+            </a:extLst>
+          </p:cNvPr>
+          <p:cNvPicPr>
+            <a:picLocks noChangeAspect="1" noChangeArrowheads="1"/>
+          </p:cNvPicPr>
+          <p:nvPr/>
+        </p:nvPicPr>
+        <p:blipFill>
+          <a:blip r:embed="rId2">
+            <a:extLst>
+              <a:ext uri="{28A0092B-C50C-407E-A947-70E740481C1C}">
+                <a14:useLocalDpi xmlns:a14="http://schemas.microsoft.com/office/drawing/2010/main" val="0"/>
+              </a:ext>
+            </a:extLst>
+          </a:blip>
+          <a:srcRect/>
+          <a:stretch>
+            <a:fillRect/>
+          </a:stretch>
+        </p:blipFill>
+        <p:spPr bwMode="auto">
+          <a:xfrm>
+            <a:off x="6382627" y="1934301"/>
+            <a:ext cx="5605528" cy="4004157"/>
+          </a:xfrm>
+          <a:prstGeom prst="rect">
+            <a:avLst/>
+          </a:prstGeom>
+          <a:noFill/>
+          <a:extLst>
+            <a:ext uri="{909E8E84-426E-40DD-AFC4-6F175D3DCCD1}">
+              <a14:hiddenFill xmlns:a14="http://schemas.microsoft.com/office/drawing/2010/main">
+                <a:solidFill>
+                  <a:srgbClr val="FFFFFF"/>
+                </a:solidFill>
+              </a14:hiddenFill>
+            </a:ext>
+          </a:extLst>
+        </p:spPr>
+      </p:pic>
+      <p:sp>
+        <p:nvSpPr>
+          <p:cNvPr id="4" name="Textfeld 3">
+            <a:extLst>
+              <a:ext uri="{FF2B5EF4-FFF2-40B4-BE49-F238E27FC236}">
+                <a16:creationId xmlns:a16="http://schemas.microsoft.com/office/drawing/2014/main" id="{67F8F030-AF68-4E23-8F52-FB49D45E26B6}"/>
+              </a:ext>
+            </a:extLst>
+          </p:cNvPr>
+          <p:cNvSpPr txBox="1"/>
+          <p:nvPr/>
+        </p:nvSpPr>
+        <p:spPr>
+          <a:xfrm>
+            <a:off x="44604" y="66498"/>
+            <a:ext cx="2943883" cy="369332"/>
+          </a:xfrm>
+          <a:prstGeom prst="rect">
+            <a:avLst/>
+          </a:prstGeom>
+          <a:noFill/>
+        </p:spPr>
+        <p:txBody>
+          <a:bodyPr wrap="none" rtlCol="0">
+            <a:spAutoFit/>
+          </a:bodyPr>
+          <a:lstStyle/>
+          <a:p>
+            <a:r>
+              <a:rPr lang="de-DE" b="1" dirty="0">
+                <a:solidFill>
+                  <a:srgbClr val="0070C0"/>
+                </a:solidFill>
+              </a:rPr>
+              <a:t>Other </a:t>
+            </a:r>
+            <a:r>
+              <a:rPr lang="de-DE" b="1" dirty="0" err="1">
+                <a:solidFill>
+                  <a:srgbClr val="0070C0"/>
+                </a:solidFill>
+              </a:rPr>
+              <a:t>ChIP</a:t>
+            </a:r>
+            <a:r>
+              <a:rPr lang="de-DE" b="1" dirty="0">
+                <a:solidFill>
+                  <a:srgbClr val="0070C0"/>
+                </a:solidFill>
+              </a:rPr>
+              <a:t> </a:t>
+            </a:r>
+            <a:r>
+              <a:rPr lang="de-DE" b="1" dirty="0" err="1">
+                <a:solidFill>
+                  <a:srgbClr val="0070C0"/>
+                </a:solidFill>
+              </a:rPr>
+              <a:t>datasets</a:t>
+            </a:r>
+            <a:r>
+              <a:rPr lang="de-DE" b="1" dirty="0">
+                <a:solidFill>
+                  <a:srgbClr val="0070C0"/>
+                </a:solidFill>
+              </a:rPr>
+              <a:t>: SKNBE2</a:t>
+            </a:r>
+          </a:p>
+        </p:txBody>
+      </p:sp>
+      <p:pic>
+        <p:nvPicPr>
+          <p:cNvPr id="4098" name="Picture 2" descr="sknbe2-3.png">
+            <a:extLst>
+              <a:ext uri="{FF2B5EF4-FFF2-40B4-BE49-F238E27FC236}">
+                <a16:creationId xmlns:a16="http://schemas.microsoft.com/office/drawing/2014/main" id="{52053677-06B3-41CD-A003-042968EC25F5}"/>
+              </a:ext>
+            </a:extLst>
+          </p:cNvPr>
+          <p:cNvPicPr>
+            <a:picLocks noChangeAspect="1" noChangeArrowheads="1"/>
+          </p:cNvPicPr>
+          <p:nvPr/>
+        </p:nvPicPr>
+        <p:blipFill>
+          <a:blip r:embed="rId3">
+            <a:extLst>
+              <a:ext uri="{28A0092B-C50C-407E-A947-70E740481C1C}">
+                <a14:useLocalDpi xmlns:a14="http://schemas.microsoft.com/office/drawing/2010/main" val="0"/>
+              </a:ext>
+            </a:extLst>
+          </a:blip>
+          <a:srcRect/>
+          <a:stretch>
+            <a:fillRect/>
+          </a:stretch>
+        </p:blipFill>
+        <p:spPr bwMode="auto">
+          <a:xfrm>
+            <a:off x="44604" y="1455666"/>
+            <a:ext cx="6338023" cy="4527395"/>
+          </a:xfrm>
+          <a:prstGeom prst="rect">
+            <a:avLst/>
+          </a:prstGeom>
+          <a:noFill/>
+          <a:extLst>
+            <a:ext uri="{909E8E84-426E-40DD-AFC4-6F175D3DCCD1}">
+              <a14:hiddenFill xmlns:a14="http://schemas.microsoft.com/office/drawing/2010/main">
+                <a:solidFill>
+                  <a:srgbClr val="FFFFFF"/>
+                </a:solidFill>
+              </a14:hiddenFill>
+            </a:ext>
+          </a:extLst>
+        </p:spPr>
+      </p:pic>
+    </p:spTree>
+    <p:extLst>
+      <p:ext uri="{BB962C8B-B14F-4D97-AF65-F5344CB8AC3E}">
+        <p14:creationId xmlns:p14="http://schemas.microsoft.com/office/powerpoint/2010/main" val="427305598"/>
+      </p:ext>
+    </p:extLst>
+  </p:cSld>
+  <p:clrMapOvr>
+    <a:masterClrMapping/>
+  </p:clrMapOvr>
+</p:sld>
+</file>
+
+<file path=ppt/slides/slide18.xml><?xml version="1.0" encoding="utf-8"?>
+<p:sld xmlns:a="http://schemas.openxmlformats.org/drawingml/2006/main" xmlns:r="http://schemas.openxmlformats.org/officeDocument/2006/relationships" xmlns:p="http://schemas.openxmlformats.org/presentationml/2006/main">
+  <p:cSld>
+    <p:spTree>
+      <p:nvGrpSpPr>
+        <p:cNvPr id="1" name=""/>
+        <p:cNvGrpSpPr/>
+        <p:nvPr/>
+      </p:nvGrpSpPr>
+      <p:grpSpPr>
+        <a:xfrm>
+          <a:off x="0" y="0"/>
+          <a:ext cx="0" cy="0"/>
+          <a:chOff x="0" y="0"/>
+          <a:chExt cx="0" cy="0"/>
+        </a:xfrm>
+      </p:grpSpPr>
+      <p:sp>
+        <p:nvSpPr>
+          <p:cNvPr id="5" name="Textfeld 4">
+            <a:extLst>
+              <a:ext uri="{FF2B5EF4-FFF2-40B4-BE49-F238E27FC236}">
+                <a16:creationId xmlns:a16="http://schemas.microsoft.com/office/drawing/2014/main" id="{A051DE39-EB76-4ECD-9CF2-A4DE650C2000}"/>
+              </a:ext>
+            </a:extLst>
+          </p:cNvPr>
+          <p:cNvSpPr txBox="1"/>
+          <p:nvPr/>
+        </p:nvSpPr>
+        <p:spPr>
+          <a:xfrm>
+            <a:off x="44604" y="66498"/>
+            <a:ext cx="2943883" cy="369332"/>
+          </a:xfrm>
+          <a:prstGeom prst="rect">
+            <a:avLst/>
+          </a:prstGeom>
+          <a:noFill/>
+        </p:spPr>
+        <p:txBody>
+          <a:bodyPr wrap="none" rtlCol="0">
+            <a:spAutoFit/>
+          </a:bodyPr>
+          <a:lstStyle/>
+          <a:p>
+            <a:r>
+              <a:rPr lang="de-DE" b="1" dirty="0">
+                <a:solidFill>
+                  <a:srgbClr val="0070C0"/>
+                </a:solidFill>
+              </a:rPr>
+              <a:t>Other </a:t>
+            </a:r>
+            <a:r>
+              <a:rPr lang="de-DE" b="1" dirty="0" err="1">
+                <a:solidFill>
+                  <a:srgbClr val="0070C0"/>
+                </a:solidFill>
+              </a:rPr>
+              <a:t>ChIP</a:t>
+            </a:r>
+            <a:r>
+              <a:rPr lang="de-DE" b="1" dirty="0">
+                <a:solidFill>
+                  <a:srgbClr val="0070C0"/>
+                </a:solidFill>
+              </a:rPr>
+              <a:t> </a:t>
+            </a:r>
+            <a:r>
+              <a:rPr lang="de-DE" b="1" dirty="0" err="1">
+                <a:solidFill>
+                  <a:srgbClr val="0070C0"/>
+                </a:solidFill>
+              </a:rPr>
+              <a:t>datasets</a:t>
+            </a:r>
+            <a:r>
+              <a:rPr lang="de-DE" b="1" dirty="0">
+                <a:solidFill>
+                  <a:srgbClr val="0070C0"/>
+                </a:solidFill>
+              </a:rPr>
+              <a:t>: SKNBE2</a:t>
+            </a:r>
+          </a:p>
+        </p:txBody>
+      </p:sp>
+    </p:spTree>
+    <p:extLst>
+      <p:ext uri="{BB962C8B-B14F-4D97-AF65-F5344CB8AC3E}">
+        <p14:creationId xmlns:p14="http://schemas.microsoft.com/office/powerpoint/2010/main" val="3853309001"/>
+      </p:ext>
+    </p:extLst>
+  </p:cSld>
+  <p:clrMapOvr>
+    <a:masterClrMapping/>
+  </p:clrMapOvr>
+</p:sld>
+</file>
+
 <file path=ppt/slides/slide2.xml><?xml version="1.0" encoding="utf-8"?>
 <p:sld xmlns:a="http://schemas.openxmlformats.org/drawingml/2006/main" xmlns:r="http://schemas.openxmlformats.org/officeDocument/2006/relationships" xmlns:p="http://schemas.openxmlformats.org/presentationml/2006/main">
   <p:cSld>

--- a/4_manuscript/Figures2.pptx
+++ b/4_manuscript/Figures2.pptx
@@ -23,6 +23,10 @@
     <p:sldId id="271" r:id="rId17"/>
     <p:sldId id="272" r:id="rId18"/>
     <p:sldId id="273" r:id="rId19"/>
+    <p:sldId id="274" r:id="rId20"/>
+    <p:sldId id="275" r:id="rId21"/>
+    <p:sldId id="276" r:id="rId22"/>
+    <p:sldId id="277" r:id="rId23"/>
   </p:sldIdLst>
   <p:sldSz cx="12192000" cy="9144000"/>
   <p:notesSz cx="6858000" cy="9144000"/>
@@ -5437,7 +5441,7 @@
         </p:blipFill>
         <p:spPr bwMode="auto">
           <a:xfrm>
-            <a:off x="6382627" y="1934301"/>
+            <a:off x="6282266" y="363098"/>
             <a:ext cx="5605528" cy="4004157"/>
           </a:xfrm>
           <a:prstGeom prst="rect">
@@ -5573,6 +5577,131 @@
           </a:extLst>
         </p:spPr>
       </p:pic>
+      <p:pic>
+        <p:nvPicPr>
+          <p:cNvPr id="4100" name="Picture 4" descr="sknbe2_venn_genes-1.png">
+            <a:extLst>
+              <a:ext uri="{FF2B5EF4-FFF2-40B4-BE49-F238E27FC236}">
+                <a16:creationId xmlns:a16="http://schemas.microsoft.com/office/drawing/2014/main" id="{5C4B2547-A3F5-42A4-B82A-763D9922D492}"/>
+              </a:ext>
+            </a:extLst>
+          </p:cNvPr>
+          <p:cNvPicPr>
+            <a:picLocks noChangeAspect="1" noChangeArrowheads="1"/>
+          </p:cNvPicPr>
+          <p:nvPr/>
+        </p:nvPicPr>
+        <p:blipFill>
+          <a:blip r:embed="rId4">
+            <a:extLst>
+              <a:ext uri="{28A0092B-C50C-407E-A947-70E740481C1C}">
+                <a14:useLocalDpi xmlns:a14="http://schemas.microsoft.com/office/drawing/2010/main" val="0"/>
+              </a:ext>
+            </a:extLst>
+          </a:blip>
+          <a:srcRect/>
+          <a:stretch>
+            <a:fillRect/>
+          </a:stretch>
+        </p:blipFill>
+        <p:spPr bwMode="auto">
+          <a:xfrm>
+            <a:off x="6382626" y="4776745"/>
+            <a:ext cx="5809373" cy="4149768"/>
+          </a:xfrm>
+          <a:prstGeom prst="rect">
+            <a:avLst/>
+          </a:prstGeom>
+          <a:noFill/>
+          <a:extLst>
+            <a:ext uri="{909E8E84-426E-40DD-AFC4-6F175D3DCCD1}">
+              <a14:hiddenFill xmlns:a14="http://schemas.microsoft.com/office/drawing/2010/main">
+                <a:solidFill>
+                  <a:srgbClr val="FFFFFF"/>
+                </a:solidFill>
+              </a14:hiddenFill>
+            </a:ext>
+          </a:extLst>
+        </p:spPr>
+      </p:pic>
+      <p:sp>
+        <p:nvSpPr>
+          <p:cNvPr id="5" name="Textfeld 4">
+            <a:extLst>
+              <a:ext uri="{FF2B5EF4-FFF2-40B4-BE49-F238E27FC236}">
+                <a16:creationId xmlns:a16="http://schemas.microsoft.com/office/drawing/2014/main" id="{7FE40A9B-B7CF-49F9-B68E-BFA4918F1D5C}"/>
+              </a:ext>
+            </a:extLst>
+          </p:cNvPr>
+          <p:cNvSpPr txBox="1"/>
+          <p:nvPr/>
+        </p:nvSpPr>
+        <p:spPr>
+          <a:xfrm>
+            <a:off x="8726758" y="178432"/>
+            <a:ext cx="716543" cy="369332"/>
+          </a:xfrm>
+          <a:prstGeom prst="rect">
+            <a:avLst/>
+          </a:prstGeom>
+          <a:noFill/>
+        </p:spPr>
+        <p:txBody>
+          <a:bodyPr wrap="none" rtlCol="0">
+            <a:spAutoFit/>
+          </a:bodyPr>
+          <a:lstStyle/>
+          <a:p>
+            <a:r>
+              <a:rPr lang="de-DE" dirty="0">
+                <a:solidFill>
+                  <a:srgbClr val="0070C0"/>
+                </a:solidFill>
+              </a:rPr>
+              <a:t>Peaks</a:t>
+            </a:r>
+          </a:p>
+        </p:txBody>
+      </p:sp>
+      <p:sp>
+        <p:nvSpPr>
+          <p:cNvPr id="9" name="Textfeld 8">
+            <a:extLst>
+              <a:ext uri="{FF2B5EF4-FFF2-40B4-BE49-F238E27FC236}">
+                <a16:creationId xmlns:a16="http://schemas.microsoft.com/office/drawing/2014/main" id="{FA69574C-4F46-4985-92C6-56880CAD70F6}"/>
+              </a:ext>
+            </a:extLst>
+          </p:cNvPr>
+          <p:cNvSpPr txBox="1"/>
+          <p:nvPr/>
+        </p:nvSpPr>
+        <p:spPr>
+          <a:xfrm>
+            <a:off x="8948129" y="4662214"/>
+            <a:ext cx="772969" cy="369332"/>
+          </a:xfrm>
+          <a:prstGeom prst="rect">
+            <a:avLst/>
+          </a:prstGeom>
+          <a:noFill/>
+        </p:spPr>
+        <p:txBody>
+          <a:bodyPr wrap="none" rtlCol="0">
+            <a:spAutoFit/>
+          </a:bodyPr>
+          <a:lstStyle/>
+          <a:p>
+            <a:r>
+              <a:rPr lang="de-DE" dirty="0">
+                <a:solidFill>
+                  <a:srgbClr val="0070C0"/>
+                </a:solidFill>
+              </a:rPr>
+              <a:t>Genes</a:t>
+            </a:r>
+          </a:p>
+        </p:txBody>
+      </p:sp>
     </p:spTree>
     <p:extLst>
       <p:ext uri="{BB962C8B-B14F-4D97-AF65-F5344CB8AC3E}">
@@ -5687,6 +5816,293 @@
 </p:sld>
 </file>
 
+<file path=ppt/slides/slide19.xml><?xml version="1.0" encoding="utf-8"?>
+<p:sld xmlns:a="http://schemas.openxmlformats.org/drawingml/2006/main" xmlns:r="http://schemas.openxmlformats.org/officeDocument/2006/relationships" xmlns:p="http://schemas.openxmlformats.org/presentationml/2006/main">
+  <p:cSld>
+    <p:spTree>
+      <p:nvGrpSpPr>
+        <p:cNvPr id="1" name=""/>
+        <p:cNvGrpSpPr/>
+        <p:nvPr/>
+      </p:nvGrpSpPr>
+      <p:grpSpPr>
+        <a:xfrm>
+          <a:off x="0" y="0"/>
+          <a:ext cx="0" cy="0"/>
+          <a:chOff x="0" y="0"/>
+          <a:chExt cx="0" cy="0"/>
+        </a:xfrm>
+      </p:grpSpPr>
+      <p:sp>
+        <p:nvSpPr>
+          <p:cNvPr id="4" name="Textfeld 3">
+            <a:extLst>
+              <a:ext uri="{FF2B5EF4-FFF2-40B4-BE49-F238E27FC236}">
+                <a16:creationId xmlns:a16="http://schemas.microsoft.com/office/drawing/2014/main" id="{3B85F875-09B4-46E8-8D75-4608D6202D5E}"/>
+              </a:ext>
+            </a:extLst>
+          </p:cNvPr>
+          <p:cNvSpPr txBox="1"/>
+          <p:nvPr/>
+        </p:nvSpPr>
+        <p:spPr>
+          <a:xfrm>
+            <a:off x="44604" y="66498"/>
+            <a:ext cx="4735271" cy="369332"/>
+          </a:xfrm>
+          <a:prstGeom prst="rect">
+            <a:avLst/>
+          </a:prstGeom>
+          <a:noFill/>
+        </p:spPr>
+        <p:txBody>
+          <a:bodyPr wrap="none" rtlCol="0">
+            <a:spAutoFit/>
+          </a:bodyPr>
+          <a:lstStyle/>
+          <a:p>
+            <a:r>
+              <a:rPr lang="de-DE" b="1" dirty="0">
+                <a:solidFill>
+                  <a:srgbClr val="0070C0"/>
+                </a:solidFill>
+              </a:rPr>
+              <a:t>Figure 5: </a:t>
+            </a:r>
+            <a:r>
+              <a:rPr lang="de-DE" b="1" dirty="0" err="1">
+                <a:solidFill>
+                  <a:srgbClr val="0070C0"/>
+                </a:solidFill>
+              </a:rPr>
+              <a:t>Compare</a:t>
+            </a:r>
+            <a:r>
+              <a:rPr lang="de-DE" b="1" dirty="0">
+                <a:solidFill>
+                  <a:srgbClr val="0070C0"/>
+                </a:solidFill>
+              </a:rPr>
+              <a:t> RNA-</a:t>
+            </a:r>
+            <a:r>
+              <a:rPr lang="de-DE" b="1" dirty="0" err="1">
+                <a:solidFill>
+                  <a:srgbClr val="0070C0"/>
+                </a:solidFill>
+              </a:rPr>
+              <a:t>Seq</a:t>
+            </a:r>
+            <a:r>
+              <a:rPr lang="de-DE" b="1" dirty="0">
+                <a:solidFill>
+                  <a:srgbClr val="0070C0"/>
+                </a:solidFill>
+              </a:rPr>
+              <a:t> </a:t>
+            </a:r>
+            <a:r>
+              <a:rPr lang="de-DE" b="1" dirty="0" err="1">
+                <a:solidFill>
+                  <a:srgbClr val="0070C0"/>
+                </a:solidFill>
+              </a:rPr>
+              <a:t>with</a:t>
+            </a:r>
+            <a:r>
+              <a:rPr lang="de-DE" b="1" dirty="0">
+                <a:solidFill>
+                  <a:srgbClr val="0070C0"/>
+                </a:solidFill>
+              </a:rPr>
+              <a:t> own </a:t>
+            </a:r>
+            <a:r>
+              <a:rPr lang="de-DE" b="1" dirty="0" err="1">
+                <a:solidFill>
+                  <a:srgbClr val="0070C0"/>
+                </a:solidFill>
+              </a:rPr>
+              <a:t>ChIP</a:t>
+            </a:r>
+            <a:r>
+              <a:rPr lang="de-DE" b="1" dirty="0">
+                <a:solidFill>
+                  <a:srgbClr val="0070C0"/>
+                </a:solidFill>
+              </a:rPr>
+              <a:t> </a:t>
+            </a:r>
+            <a:r>
+              <a:rPr lang="de-DE" b="1" dirty="0" err="1">
+                <a:solidFill>
+                  <a:srgbClr val="0070C0"/>
+                </a:solidFill>
+              </a:rPr>
+              <a:t>data</a:t>
+            </a:r>
+            <a:endParaRPr lang="de-DE" b="1" dirty="0">
+              <a:solidFill>
+                <a:srgbClr val="0070C0"/>
+              </a:solidFill>
+            </a:endParaRPr>
+          </a:p>
+        </p:txBody>
+      </p:sp>
+      <p:pic>
+        <p:nvPicPr>
+          <p:cNvPr id="6146" name="Picture 2" descr="chip_venn-1.png">
+            <a:extLst>
+              <a:ext uri="{FF2B5EF4-FFF2-40B4-BE49-F238E27FC236}">
+                <a16:creationId xmlns:a16="http://schemas.microsoft.com/office/drawing/2014/main" id="{64611663-60F6-48A3-A2D7-AFBF1DFE5907}"/>
+              </a:ext>
+            </a:extLst>
+          </p:cNvPr>
+          <p:cNvPicPr>
+            <a:picLocks noChangeAspect="1" noChangeArrowheads="1"/>
+          </p:cNvPicPr>
+          <p:nvPr/>
+        </p:nvPicPr>
+        <p:blipFill>
+          <a:blip r:embed="rId2">
+            <a:extLst>
+              <a:ext uri="{28A0092B-C50C-407E-A947-70E740481C1C}">
+                <a14:useLocalDpi xmlns:a14="http://schemas.microsoft.com/office/drawing/2010/main" val="0"/>
+              </a:ext>
+            </a:extLst>
+          </a:blip>
+          <a:srcRect/>
+          <a:stretch>
+            <a:fillRect/>
+          </a:stretch>
+        </p:blipFill>
+        <p:spPr bwMode="auto">
+          <a:xfrm>
+            <a:off x="546409" y="595845"/>
+            <a:ext cx="4984063" cy="3560045"/>
+          </a:xfrm>
+          <a:prstGeom prst="rect">
+            <a:avLst/>
+          </a:prstGeom>
+          <a:noFill/>
+          <a:extLst>
+            <a:ext uri="{909E8E84-426E-40DD-AFC4-6F175D3DCCD1}">
+              <a14:hiddenFill xmlns:a14="http://schemas.microsoft.com/office/drawing/2010/main">
+                <a:solidFill>
+                  <a:srgbClr val="FFFFFF"/>
+                </a:solidFill>
+              </a14:hiddenFill>
+            </a:ext>
+          </a:extLst>
+        </p:spPr>
+      </p:pic>
+      <p:pic>
+        <p:nvPicPr>
+          <p:cNvPr id="6148" name="Picture 4" descr="chip_venn-2.png">
+            <a:extLst>
+              <a:ext uri="{FF2B5EF4-FFF2-40B4-BE49-F238E27FC236}">
+                <a16:creationId xmlns:a16="http://schemas.microsoft.com/office/drawing/2014/main" id="{3762A19F-3808-4697-98BE-D273B1200C2B}"/>
+              </a:ext>
+            </a:extLst>
+          </p:cNvPr>
+          <p:cNvPicPr>
+            <a:picLocks noChangeAspect="1" noChangeArrowheads="1"/>
+          </p:cNvPicPr>
+          <p:nvPr/>
+        </p:nvPicPr>
+        <p:blipFill>
+          <a:blip r:embed="rId3">
+            <a:extLst>
+              <a:ext uri="{28A0092B-C50C-407E-A947-70E740481C1C}">
+                <a14:useLocalDpi xmlns:a14="http://schemas.microsoft.com/office/drawing/2010/main" val="0"/>
+              </a:ext>
+            </a:extLst>
+          </a:blip>
+          <a:srcRect/>
+          <a:stretch>
+            <a:fillRect/>
+          </a:stretch>
+        </p:blipFill>
+        <p:spPr bwMode="auto">
+          <a:xfrm>
+            <a:off x="6351569" y="230902"/>
+            <a:ext cx="5427672" cy="3876909"/>
+          </a:xfrm>
+          <a:prstGeom prst="rect">
+            <a:avLst/>
+          </a:prstGeom>
+          <a:noFill/>
+          <a:extLst>
+            <a:ext uri="{909E8E84-426E-40DD-AFC4-6F175D3DCCD1}">
+              <a14:hiddenFill xmlns:a14="http://schemas.microsoft.com/office/drawing/2010/main">
+                <a:solidFill>
+                  <a:srgbClr val="FFFFFF"/>
+                </a:solidFill>
+              </a14:hiddenFill>
+            </a:ext>
+          </a:extLst>
+        </p:spPr>
+      </p:pic>
+      <p:pic>
+        <p:nvPicPr>
+          <p:cNvPr id="6150" name="Picture 6" descr="chip_venn-3.png">
+            <a:extLst>
+              <a:ext uri="{FF2B5EF4-FFF2-40B4-BE49-F238E27FC236}">
+                <a16:creationId xmlns:a16="http://schemas.microsoft.com/office/drawing/2014/main" id="{86971232-A819-4E10-9572-88FF4F8FCBB9}"/>
+              </a:ext>
+            </a:extLst>
+          </p:cNvPr>
+          <p:cNvPicPr>
+            <a:picLocks noChangeAspect="1" noChangeArrowheads="1"/>
+          </p:cNvPicPr>
+          <p:nvPr/>
+        </p:nvPicPr>
+        <p:blipFill>
+          <a:blip r:embed="rId4">
+            <a:extLst>
+              <a:ext uri="{28A0092B-C50C-407E-A947-70E740481C1C}">
+                <a14:useLocalDpi xmlns:a14="http://schemas.microsoft.com/office/drawing/2010/main" val="0"/>
+              </a:ext>
+            </a:extLst>
+          </a:blip>
+          <a:srcRect/>
+          <a:stretch>
+            <a:fillRect/>
+          </a:stretch>
+        </p:blipFill>
+        <p:spPr bwMode="auto">
+          <a:xfrm>
+            <a:off x="1592074" y="4267826"/>
+            <a:ext cx="9007851" cy="4671978"/>
+          </a:xfrm>
+          <a:prstGeom prst="rect">
+            <a:avLst/>
+          </a:prstGeom>
+          <a:noFill/>
+          <a:extLst>
+            <a:ext uri="{909E8E84-426E-40DD-AFC4-6F175D3DCCD1}">
+              <a14:hiddenFill xmlns:a14="http://schemas.microsoft.com/office/drawing/2010/main">
+                <a:solidFill>
+                  <a:srgbClr val="FFFFFF"/>
+                </a:solidFill>
+              </a14:hiddenFill>
+            </a:ext>
+          </a:extLst>
+        </p:spPr>
+      </p:pic>
+    </p:spTree>
+    <p:extLst>
+      <p:ext uri="{BB962C8B-B14F-4D97-AF65-F5344CB8AC3E}">
+        <p14:creationId xmlns:p14="http://schemas.microsoft.com/office/powerpoint/2010/main" val="2586434675"/>
+      </p:ext>
+    </p:extLst>
+  </p:cSld>
+  <p:clrMapOvr>
+    <a:masterClrMapping/>
+  </p:clrMapOvr>
+</p:sld>
+</file>
+
 <file path=ppt/slides/slide2.xml><?xml version="1.0" encoding="utf-8"?>
 <p:sld xmlns:a="http://schemas.openxmlformats.org/drawingml/2006/main" xmlns:r="http://schemas.openxmlformats.org/officeDocument/2006/relationships" xmlns:p="http://schemas.openxmlformats.org/presentationml/2006/main">
   <p:cSld>
@@ -6081,6 +6497,427 @@
     <p:extLst>
       <p:ext uri="{BB962C8B-B14F-4D97-AF65-F5344CB8AC3E}">
         <p14:creationId xmlns:p14="http://schemas.microsoft.com/office/powerpoint/2010/main" val="3518722058"/>
+      </p:ext>
+    </p:extLst>
+  </p:cSld>
+  <p:clrMapOvr>
+    <a:masterClrMapping/>
+  </p:clrMapOvr>
+</p:sld>
+</file>
+
+<file path=ppt/slides/slide20.xml><?xml version="1.0" encoding="utf-8"?>
+<p:sld xmlns:a="http://schemas.openxmlformats.org/drawingml/2006/main" xmlns:r="http://schemas.openxmlformats.org/officeDocument/2006/relationships" xmlns:p="http://schemas.openxmlformats.org/presentationml/2006/main">
+  <p:cSld>
+    <p:spTree>
+      <p:nvGrpSpPr>
+        <p:cNvPr id="1" name=""/>
+        <p:cNvGrpSpPr/>
+        <p:nvPr/>
+      </p:nvGrpSpPr>
+      <p:grpSpPr>
+        <a:xfrm>
+          <a:off x="0" y="0"/>
+          <a:ext cx="0" cy="0"/>
+          <a:chOff x="0" y="0"/>
+          <a:chExt cx="0" cy="0"/>
+        </a:xfrm>
+      </p:grpSpPr>
+      <p:sp>
+        <p:nvSpPr>
+          <p:cNvPr id="4" name="Textfeld 3">
+            <a:extLst>
+              <a:ext uri="{FF2B5EF4-FFF2-40B4-BE49-F238E27FC236}">
+                <a16:creationId xmlns:a16="http://schemas.microsoft.com/office/drawing/2014/main" id="{8268AE66-7C0A-4D05-8DC6-42E7FC7E2A68}"/>
+              </a:ext>
+            </a:extLst>
+          </p:cNvPr>
+          <p:cNvSpPr txBox="1"/>
+          <p:nvPr/>
+        </p:nvSpPr>
+        <p:spPr>
+          <a:xfrm>
+            <a:off x="44604" y="66498"/>
+            <a:ext cx="4102085" cy="369332"/>
+          </a:xfrm>
+          <a:prstGeom prst="rect">
+            <a:avLst/>
+          </a:prstGeom>
+          <a:noFill/>
+        </p:spPr>
+        <p:txBody>
+          <a:bodyPr wrap="none" rtlCol="0">
+            <a:spAutoFit/>
+          </a:bodyPr>
+          <a:lstStyle/>
+          <a:p>
+            <a:r>
+              <a:rPr lang="de-DE" b="1" dirty="0">
+                <a:solidFill>
+                  <a:srgbClr val="0070C0"/>
+                </a:solidFill>
+              </a:rPr>
+              <a:t>Figure 5: </a:t>
+            </a:r>
+            <a:r>
+              <a:rPr lang="de-DE" b="1" dirty="0" err="1">
+                <a:solidFill>
+                  <a:srgbClr val="0070C0"/>
+                </a:solidFill>
+              </a:rPr>
+              <a:t>Compare</a:t>
+            </a:r>
+            <a:r>
+              <a:rPr lang="de-DE" b="1" dirty="0">
+                <a:solidFill>
+                  <a:srgbClr val="0070C0"/>
+                </a:solidFill>
+              </a:rPr>
+              <a:t> RNA-</a:t>
+            </a:r>
+            <a:r>
+              <a:rPr lang="de-DE" b="1" dirty="0" err="1">
+                <a:solidFill>
+                  <a:srgbClr val="0070C0"/>
+                </a:solidFill>
+              </a:rPr>
+              <a:t>Seq</a:t>
+            </a:r>
+            <a:r>
+              <a:rPr lang="de-DE" b="1" dirty="0">
+                <a:solidFill>
+                  <a:srgbClr val="0070C0"/>
+                </a:solidFill>
+              </a:rPr>
+              <a:t> </a:t>
+            </a:r>
+            <a:r>
+              <a:rPr lang="de-DE" b="1" dirty="0" err="1">
+                <a:solidFill>
+                  <a:srgbClr val="0070C0"/>
+                </a:solidFill>
+              </a:rPr>
+              <a:t>with</a:t>
+            </a:r>
+            <a:r>
+              <a:rPr lang="de-DE" b="1" dirty="0">
+                <a:solidFill>
+                  <a:srgbClr val="0070C0"/>
+                </a:solidFill>
+              </a:rPr>
+              <a:t> SKNBE2</a:t>
+            </a:r>
+          </a:p>
+        </p:txBody>
+      </p:sp>
+      <p:pic>
+        <p:nvPicPr>
+          <p:cNvPr id="7170" name="Picture 2" descr="chip_venn_sknbe2-2.png">
+            <a:extLst>
+              <a:ext uri="{FF2B5EF4-FFF2-40B4-BE49-F238E27FC236}">
+                <a16:creationId xmlns:a16="http://schemas.microsoft.com/office/drawing/2014/main" id="{890BA751-BC50-49BB-AD10-056FBF90229B}"/>
+              </a:ext>
+            </a:extLst>
+          </p:cNvPr>
+          <p:cNvPicPr>
+            <a:picLocks noChangeAspect="1" noChangeArrowheads="1"/>
+          </p:cNvPicPr>
+          <p:nvPr/>
+        </p:nvPicPr>
+        <p:blipFill>
+          <a:blip r:embed="rId2">
+            <a:extLst>
+              <a:ext uri="{28A0092B-C50C-407E-A947-70E740481C1C}">
+                <a14:useLocalDpi xmlns:a14="http://schemas.microsoft.com/office/drawing/2010/main" val="0"/>
+              </a:ext>
+            </a:extLst>
+          </a:blip>
+          <a:srcRect/>
+          <a:stretch>
+            <a:fillRect/>
+          </a:stretch>
+        </p:blipFill>
+        <p:spPr bwMode="auto">
+          <a:xfrm>
+            <a:off x="939258" y="1000125"/>
+            <a:ext cx="10001250" cy="7143750"/>
+          </a:xfrm>
+          <a:prstGeom prst="rect">
+            <a:avLst/>
+          </a:prstGeom>
+          <a:noFill/>
+          <a:extLst>
+            <a:ext uri="{909E8E84-426E-40DD-AFC4-6F175D3DCCD1}">
+              <a14:hiddenFill xmlns:a14="http://schemas.microsoft.com/office/drawing/2010/main">
+                <a:solidFill>
+                  <a:srgbClr val="FFFFFF"/>
+                </a:solidFill>
+              </a14:hiddenFill>
+            </a:ext>
+          </a:extLst>
+        </p:spPr>
+      </p:pic>
+    </p:spTree>
+    <p:extLst>
+      <p:ext uri="{BB962C8B-B14F-4D97-AF65-F5344CB8AC3E}">
+        <p14:creationId xmlns:p14="http://schemas.microsoft.com/office/powerpoint/2010/main" val="3272237123"/>
+      </p:ext>
+    </p:extLst>
+  </p:cSld>
+  <p:clrMapOvr>
+    <a:masterClrMapping/>
+  </p:clrMapOvr>
+</p:sld>
+</file>
+
+<file path=ppt/slides/slide21.xml><?xml version="1.0" encoding="utf-8"?>
+<p:sld xmlns:a="http://schemas.openxmlformats.org/drawingml/2006/main" xmlns:r="http://schemas.openxmlformats.org/officeDocument/2006/relationships" xmlns:p="http://schemas.openxmlformats.org/presentationml/2006/main">
+  <p:cSld>
+    <p:spTree>
+      <p:nvGrpSpPr>
+        <p:cNvPr id="1" name=""/>
+        <p:cNvGrpSpPr/>
+        <p:nvPr/>
+      </p:nvGrpSpPr>
+      <p:grpSpPr>
+        <a:xfrm>
+          <a:off x="0" y="0"/>
+          <a:ext cx="0" cy="0"/>
+          <a:chOff x="0" y="0"/>
+          <a:chExt cx="0" cy="0"/>
+        </a:xfrm>
+      </p:grpSpPr>
+      <p:sp>
+        <p:nvSpPr>
+          <p:cNvPr id="5" name="Textfeld 4">
+            <a:extLst>
+              <a:ext uri="{FF2B5EF4-FFF2-40B4-BE49-F238E27FC236}">
+                <a16:creationId xmlns:a16="http://schemas.microsoft.com/office/drawing/2014/main" id="{169A0F06-619E-48CB-8214-502DA678B385}"/>
+              </a:ext>
+            </a:extLst>
+          </p:cNvPr>
+          <p:cNvSpPr txBox="1"/>
+          <p:nvPr/>
+        </p:nvSpPr>
+        <p:spPr>
+          <a:xfrm>
+            <a:off x="44604" y="66498"/>
+            <a:ext cx="4061818" cy="369332"/>
+          </a:xfrm>
+          <a:prstGeom prst="rect">
+            <a:avLst/>
+          </a:prstGeom>
+          <a:noFill/>
+        </p:spPr>
+        <p:txBody>
+          <a:bodyPr wrap="none" rtlCol="0">
+            <a:spAutoFit/>
+          </a:bodyPr>
+          <a:lstStyle/>
+          <a:p>
+            <a:r>
+              <a:rPr lang="de-DE" b="1" dirty="0">
+                <a:solidFill>
+                  <a:srgbClr val="0070C0"/>
+                </a:solidFill>
+              </a:rPr>
+              <a:t>Figure 5: </a:t>
+            </a:r>
+            <a:r>
+              <a:rPr lang="de-DE" b="1" dirty="0" err="1">
+                <a:solidFill>
+                  <a:srgbClr val="0070C0"/>
+                </a:solidFill>
+              </a:rPr>
+              <a:t>Compare</a:t>
+            </a:r>
+            <a:r>
+              <a:rPr lang="de-DE" b="1" dirty="0">
+                <a:solidFill>
+                  <a:srgbClr val="0070C0"/>
+                </a:solidFill>
+              </a:rPr>
+              <a:t> RNA-</a:t>
+            </a:r>
+            <a:r>
+              <a:rPr lang="de-DE" b="1" dirty="0" err="1">
+                <a:solidFill>
+                  <a:srgbClr val="0070C0"/>
+                </a:solidFill>
+              </a:rPr>
+              <a:t>Seq</a:t>
+            </a:r>
+            <a:r>
+              <a:rPr lang="de-DE" b="1" dirty="0">
+                <a:solidFill>
+                  <a:srgbClr val="0070C0"/>
+                </a:solidFill>
+              </a:rPr>
+              <a:t> </a:t>
+            </a:r>
+            <a:r>
+              <a:rPr lang="de-DE" b="1" dirty="0" err="1">
+                <a:solidFill>
+                  <a:srgbClr val="0070C0"/>
+                </a:solidFill>
+              </a:rPr>
+              <a:t>with</a:t>
+            </a:r>
+            <a:r>
+              <a:rPr lang="de-DE" b="1" dirty="0">
+                <a:solidFill>
+                  <a:srgbClr val="0070C0"/>
+                </a:solidFill>
+              </a:rPr>
+              <a:t> </a:t>
+            </a:r>
+            <a:r>
+              <a:rPr lang="de-DE" b="1" dirty="0" err="1">
+                <a:solidFill>
+                  <a:srgbClr val="0070C0"/>
+                </a:solidFill>
+              </a:rPr>
+              <a:t>ReMAP</a:t>
+            </a:r>
+            <a:endParaRPr lang="de-DE" b="1" dirty="0">
+              <a:solidFill>
+                <a:srgbClr val="0070C0"/>
+              </a:solidFill>
+            </a:endParaRPr>
+          </a:p>
+        </p:txBody>
+      </p:sp>
+      <p:pic>
+        <p:nvPicPr>
+          <p:cNvPr id="8196" name="Picture 4" descr="chip_venn_remap-2.png">
+            <a:extLst>
+              <a:ext uri="{FF2B5EF4-FFF2-40B4-BE49-F238E27FC236}">
+                <a16:creationId xmlns:a16="http://schemas.microsoft.com/office/drawing/2014/main" id="{AD193ECB-ED18-4778-8FBF-BC6DA56B740F}"/>
+              </a:ext>
+            </a:extLst>
+          </p:cNvPr>
+          <p:cNvPicPr>
+            <a:picLocks noChangeAspect="1" noChangeArrowheads="1"/>
+          </p:cNvPicPr>
+          <p:nvPr/>
+        </p:nvPicPr>
+        <p:blipFill>
+          <a:blip r:embed="rId2">
+            <a:extLst>
+              <a:ext uri="{28A0092B-C50C-407E-A947-70E740481C1C}">
+                <a14:useLocalDpi xmlns:a14="http://schemas.microsoft.com/office/drawing/2010/main" val="0"/>
+              </a:ext>
+            </a:extLst>
+          </a:blip>
+          <a:srcRect/>
+          <a:stretch>
+            <a:fillRect/>
+          </a:stretch>
+        </p:blipFill>
+        <p:spPr bwMode="auto">
+          <a:xfrm>
+            <a:off x="903249" y="862892"/>
+            <a:ext cx="10193376" cy="7280983"/>
+          </a:xfrm>
+          <a:prstGeom prst="rect">
+            <a:avLst/>
+          </a:prstGeom>
+          <a:noFill/>
+          <a:extLst>
+            <a:ext uri="{909E8E84-426E-40DD-AFC4-6F175D3DCCD1}">
+              <a14:hiddenFill xmlns:a14="http://schemas.microsoft.com/office/drawing/2010/main">
+                <a:solidFill>
+                  <a:srgbClr val="FFFFFF"/>
+                </a:solidFill>
+              </a14:hiddenFill>
+            </a:ext>
+          </a:extLst>
+        </p:spPr>
+      </p:pic>
+    </p:spTree>
+    <p:extLst>
+      <p:ext uri="{BB962C8B-B14F-4D97-AF65-F5344CB8AC3E}">
+        <p14:creationId xmlns:p14="http://schemas.microsoft.com/office/powerpoint/2010/main" val="1920139828"/>
+      </p:ext>
+    </p:extLst>
+  </p:cSld>
+  <p:clrMapOvr>
+    <a:masterClrMapping/>
+  </p:clrMapOvr>
+</p:sld>
+</file>
+
+<file path=ppt/slides/slide22.xml><?xml version="1.0" encoding="utf-8"?>
+<p:sld xmlns:a="http://schemas.openxmlformats.org/drawingml/2006/main" xmlns:r="http://schemas.openxmlformats.org/officeDocument/2006/relationships" xmlns:p="http://schemas.openxmlformats.org/presentationml/2006/main">
+  <p:cSld>
+    <p:spTree>
+      <p:nvGrpSpPr>
+        <p:cNvPr id="1" name=""/>
+        <p:cNvGrpSpPr/>
+        <p:nvPr/>
+      </p:nvGrpSpPr>
+      <p:grpSpPr>
+        <a:xfrm>
+          <a:off x="0" y="0"/>
+          <a:ext cx="0" cy="0"/>
+          <a:chOff x="0" y="0"/>
+          <a:chExt cx="0" cy="0"/>
+        </a:xfrm>
+      </p:grpSpPr>
+      <p:sp>
+        <p:nvSpPr>
+          <p:cNvPr id="2" name="Titel 1">
+            <a:extLst>
+              <a:ext uri="{FF2B5EF4-FFF2-40B4-BE49-F238E27FC236}">
+                <a16:creationId xmlns:a16="http://schemas.microsoft.com/office/drawing/2014/main" id="{7C6F2E3A-B0F8-4692-BA76-58AA7D3C5544}"/>
+              </a:ext>
+            </a:extLst>
+          </p:cNvPr>
+          <p:cNvSpPr>
+            <a:spLocks noGrp="1"/>
+          </p:cNvSpPr>
+          <p:nvPr>
+            <p:ph type="title"/>
+          </p:nvPr>
+        </p:nvSpPr>
+        <p:spPr/>
+        <p:txBody>
+          <a:bodyPr/>
+          <a:lstStyle/>
+          <a:p>
+            <a:endParaRPr lang="de-DE"/>
+          </a:p>
+        </p:txBody>
+      </p:sp>
+      <p:sp>
+        <p:nvSpPr>
+          <p:cNvPr id="3" name="Inhaltsplatzhalter 2">
+            <a:extLst>
+              <a:ext uri="{FF2B5EF4-FFF2-40B4-BE49-F238E27FC236}">
+                <a16:creationId xmlns:a16="http://schemas.microsoft.com/office/drawing/2014/main" id="{D9273FE7-501A-432F-806F-D74592A04BAA}"/>
+              </a:ext>
+            </a:extLst>
+          </p:cNvPr>
+          <p:cNvSpPr>
+            <a:spLocks noGrp="1"/>
+          </p:cNvSpPr>
+          <p:nvPr>
+            <p:ph idx="1"/>
+          </p:nvPr>
+        </p:nvSpPr>
+        <p:spPr/>
+        <p:txBody>
+          <a:bodyPr/>
+          <a:lstStyle/>
+          <a:p>
+            <a:endParaRPr lang="de-DE"/>
+          </a:p>
+        </p:txBody>
+      </p:sp>
+    </p:spTree>
+    <p:extLst>
+      <p:ext uri="{BB962C8B-B14F-4D97-AF65-F5344CB8AC3E}">
+        <p14:creationId xmlns:p14="http://schemas.microsoft.com/office/powerpoint/2010/main" val="3668136554"/>
       </p:ext>
     </p:extLst>
   </p:cSld>

--- a/4_manuscript/Figures2.pptx
+++ b/4_manuscript/Figures2.pptx
@@ -545,6 +545,40 @@
             </a:r>
           </a:p>
           <a:p>
+            <a:pPr marL="171450" indent="-171450">
+              <a:buFontTx/>
+              <a:buChar char="-"/>
+            </a:pPr>
+            <a:r>
+              <a:rPr lang="de-DE" dirty="0" err="1"/>
+              <a:t>Sequencing</a:t>
+            </a:r>
+            <a:r>
+              <a:rPr lang="de-DE" dirty="0"/>
+              <a:t> für Hif1b</a:t>
+            </a:r>
+          </a:p>
+          <a:p>
+            <a:pPr marL="171450" indent="-171450">
+              <a:buFontTx/>
+              <a:buChar char="-"/>
+            </a:pPr>
+            <a:r>
+              <a:rPr lang="de-DE" dirty="0"/>
+              <a:t>Hif1b KO western</a:t>
+            </a:r>
+          </a:p>
+          <a:p>
+            <a:pPr marL="171450" indent="-171450">
+              <a:buFontTx/>
+              <a:buChar char="-"/>
+            </a:pPr>
+            <a:endParaRPr lang="de-DE" dirty="0"/>
+          </a:p>
+          <a:p>
+            <a:endParaRPr lang="de-DE" dirty="0"/>
+          </a:p>
+          <a:p>
             <a:endParaRPr lang="de-DE" dirty="0"/>
           </a:p>
           <a:p>
@@ -984,6 +1018,53 @@
             </a:r>
           </a:p>
           <a:p>
+            <a:pPr marL="171450" indent="-171450">
+              <a:buFontTx/>
+              <a:buChar char="-"/>
+            </a:pPr>
+            <a:r>
+              <a:rPr lang="de-DE" dirty="0"/>
+              <a:t>OR 8 </a:t>
+            </a:r>
+            <a:r>
+              <a:rPr lang="de-DE" dirty="0" err="1"/>
+              <a:t>panels</a:t>
+            </a:r>
+            <a:r>
+              <a:rPr lang="de-DE" dirty="0"/>
+              <a:t>, </a:t>
+            </a:r>
+            <a:r>
+              <a:rPr lang="de-DE" dirty="0" err="1"/>
+              <a:t>difference</a:t>
+            </a:r>
+            <a:r>
+              <a:rPr lang="de-DE" dirty="0"/>
+              <a:t> </a:t>
+            </a:r>
+            <a:r>
+              <a:rPr lang="de-DE" dirty="0" err="1"/>
+              <a:t>hypoxia</a:t>
+            </a:r>
+            <a:r>
+              <a:rPr lang="de-DE" dirty="0"/>
+              <a:t>, </a:t>
+            </a:r>
+            <a:r>
+              <a:rPr lang="de-DE" dirty="0" err="1"/>
+              <a:t>difference</a:t>
+            </a:r>
+            <a:r>
+              <a:rPr lang="de-DE" dirty="0"/>
+              <a:t> </a:t>
+            </a:r>
+            <a:r>
+              <a:rPr lang="de-DE" dirty="0" err="1"/>
+              <a:t>genotypes</a:t>
+            </a:r>
+            <a:endParaRPr lang="de-DE" dirty="0"/>
+          </a:p>
+          <a:p>
             <a:pPr marL="0" indent="0">
               <a:buFontTx/>
               <a:buNone/>
@@ -1001,13 +1082,13 @@
             </a:r>
           </a:p>
           <a:p>
-            <a:pPr marL="0" indent="0">
+            <a:pPr marL="171450" indent="-171450">
               <a:buFontTx/>
-              <a:buNone/>
+              <a:buChar char="-"/>
             </a:pPr>
             <a:r>
               <a:rPr lang="de-DE" dirty="0"/>
-              <a:t>- 4,3,2 </a:t>
+              <a:t>4,3,2 </a:t>
             </a:r>
             <a:r>
               <a:rPr lang="de-DE" dirty="0" err="1"/>
@@ -1033,6 +1114,13 @@
               <a:rPr lang="de-DE" dirty="0"/>
               <a:t>: Hif1a &amp; Hif2a</a:t>
             </a:r>
+          </a:p>
+          <a:p>
+            <a:pPr marL="171450" indent="-171450">
+              <a:buFontTx/>
+              <a:buChar char="-"/>
+            </a:pPr>
+            <a:endParaRPr lang="de-DE" dirty="0"/>
           </a:p>
           <a:p>
             <a:pPr marL="0" indent="0">
@@ -4333,7 +4421,7 @@
           <a:p>
             <a:r>
               <a:rPr lang="de-DE" dirty="0"/>
-              <a:t>Simon Kelterborn, Xheni Meci, Holger Scholz</a:t>
+              <a:t>Xheni Meci, Holger Scholz, Simon Kelterborn</a:t>
             </a:r>
           </a:p>
           <a:p>
